--- a/Tutorial 1/Tutorial 1 - Introduction.pptx
+++ b/Tutorial 1/Tutorial 1 - Introduction.pptx
@@ -116,6 +116,11 @@
       </a:defRPr>
     </a:lvl9pPr>
   </p:defaultTextStyle>
+  <p:extLst>
+    <p:ext uri="{EFAFB233-063F-42B5-8137-9DF3F51BA10A}">
+      <p15:sldGuideLst xmlns:p15="http://schemas.microsoft.com/office/powerpoint/2012/main"/>
+    </p:ext>
+  </p:extLst>
 </p:presentation>
 </file>
 
@@ -345,7 +350,7 @@
           <a:p>
             <a:fld id="{AD612655-D09B-4CD4-83C7-7C3425E7B313}" type="datetimeFigureOut">
               <a:rPr lang="en-MY" smtClean="0"/>
-              <a:t>26/8/2018</a:t>
+              <a:t>27/8/2018</a:t>
             </a:fld>
             <a:endParaRPr lang="en-MY"/>
           </a:p>
@@ -553,7 +558,7 @@
           <a:p>
             <a:fld id="{AD612655-D09B-4CD4-83C7-7C3425E7B313}" type="datetimeFigureOut">
               <a:rPr lang="en-MY" smtClean="0"/>
-              <a:t>26/8/2018</a:t>
+              <a:t>27/8/2018</a:t>
             </a:fld>
             <a:endParaRPr lang="en-MY"/>
           </a:p>
@@ -809,7 +814,7 @@
           <a:p>
             <a:fld id="{AD612655-D09B-4CD4-83C7-7C3425E7B313}" type="datetimeFigureOut">
               <a:rPr lang="en-MY" smtClean="0"/>
-              <a:t>26/8/2018</a:t>
+              <a:t>27/8/2018</a:t>
             </a:fld>
             <a:endParaRPr lang="en-MY"/>
           </a:p>
@@ -979,7 +984,7 @@
           <a:p>
             <a:fld id="{AD612655-D09B-4CD4-83C7-7C3425E7B313}" type="datetimeFigureOut">
               <a:rPr lang="en-MY" smtClean="0"/>
-              <a:t>26/8/2018</a:t>
+              <a:t>27/8/2018</a:t>
             </a:fld>
             <a:endParaRPr lang="en-MY"/>
           </a:p>
@@ -1322,7 +1327,7 @@
           <a:p>
             <a:fld id="{AD612655-D09B-4CD4-83C7-7C3425E7B313}" type="datetimeFigureOut">
               <a:rPr lang="en-MY" smtClean="0"/>
-              <a:t>26/8/2018</a:t>
+              <a:t>27/8/2018</a:t>
             </a:fld>
             <a:endParaRPr lang="en-MY"/>
           </a:p>
@@ -1597,7 +1602,7 @@
           <a:p>
             <a:fld id="{AD612655-D09B-4CD4-83C7-7C3425E7B313}" type="datetimeFigureOut">
               <a:rPr lang="en-MY" smtClean="0"/>
-              <a:t>26/8/2018</a:t>
+              <a:t>27/8/2018</a:t>
             </a:fld>
             <a:endParaRPr lang="en-MY"/>
           </a:p>
@@ -1976,7 +1981,7 @@
           <a:p>
             <a:fld id="{AD612655-D09B-4CD4-83C7-7C3425E7B313}" type="datetimeFigureOut">
               <a:rPr lang="en-MY" smtClean="0"/>
-              <a:t>26/8/2018</a:t>
+              <a:t>27/8/2018</a:t>
             </a:fld>
             <a:endParaRPr lang="en-MY"/>
           </a:p>
@@ -2094,7 +2099,7 @@
           <a:p>
             <a:fld id="{AD612655-D09B-4CD4-83C7-7C3425E7B313}" type="datetimeFigureOut">
               <a:rPr lang="en-MY" smtClean="0"/>
-              <a:t>26/8/2018</a:t>
+              <a:t>27/8/2018</a:t>
             </a:fld>
             <a:endParaRPr lang="en-MY"/>
           </a:p>
@@ -2265,7 +2270,7 @@
           <a:p>
             <a:fld id="{AD612655-D09B-4CD4-83C7-7C3425E7B313}" type="datetimeFigureOut">
               <a:rPr lang="en-MY" smtClean="0"/>
-              <a:t>26/8/2018</a:t>
+              <a:t>27/8/2018</a:t>
             </a:fld>
             <a:endParaRPr lang="en-MY"/>
           </a:p>
@@ -2619,7 +2624,7 @@
           <a:p>
             <a:fld id="{AD612655-D09B-4CD4-83C7-7C3425E7B313}" type="datetimeFigureOut">
               <a:rPr lang="en-MY" smtClean="0"/>
-              <a:t>26/8/2018</a:t>
+              <a:t>27/8/2018</a:t>
             </a:fld>
             <a:endParaRPr lang="en-MY"/>
           </a:p>
@@ -2996,7 +3001,7 @@
           <a:p>
             <a:fld id="{AD612655-D09B-4CD4-83C7-7C3425E7B313}" type="datetimeFigureOut">
               <a:rPr lang="en-MY" smtClean="0"/>
-              <a:t>26/8/2018</a:t>
+              <a:t>27/8/2018</a:t>
             </a:fld>
             <a:endParaRPr lang="en-MY"/>
           </a:p>
@@ -3283,7 +3288,7 @@
           <a:p>
             <a:fld id="{AD612655-D09B-4CD4-83C7-7C3425E7B313}" type="datetimeFigureOut">
               <a:rPr lang="en-MY" smtClean="0"/>
-              <a:t>26/8/2018</a:t>
+              <a:t>27/8/2018</a:t>
             </a:fld>
             <a:endParaRPr lang="en-MY"/>
           </a:p>
@@ -3921,8 +3926,8 @@
           </a:p>
         </p:txBody>
       </p:sp>
-      <mc:AlternateContent xmlns:mc="http://schemas.openxmlformats.org/markup-compatibility/2006">
-        <mc:Choice xmlns:a14="http://schemas.microsoft.com/office/drawing/2010/main" Requires="a14">
+      <mc:AlternateContent xmlns:mc="http://schemas.openxmlformats.org/markup-compatibility/2006" xmlns:a14="http://schemas.microsoft.com/office/drawing/2010/main">
+        <mc:Choice Requires="a14">
           <p:sp>
             <p:nvSpPr>
               <p:cNvPr id="3" name="Content Placeholder 2">
@@ -4042,7 +4047,7 @@
             </p:txBody>
           </p:sp>
         </mc:Choice>
-        <mc:Fallback>
+        <mc:Fallback xmlns="">
           <p:sp>
             <p:nvSpPr>
               <p:cNvPr id="3" name="Content Placeholder 2">
@@ -4140,8 +4145,8 @@
           </a:p>
         </p:txBody>
       </p:sp>
-      <mc:AlternateContent xmlns:mc="http://schemas.openxmlformats.org/markup-compatibility/2006">
-        <mc:Choice xmlns:a14="http://schemas.microsoft.com/office/drawing/2010/main" Requires="a14">
+      <mc:AlternateContent xmlns:mc="http://schemas.openxmlformats.org/markup-compatibility/2006" xmlns:a14="http://schemas.microsoft.com/office/drawing/2010/main">
+        <mc:Choice Requires="a14">
           <p:sp>
             <p:nvSpPr>
               <p:cNvPr id="3" name="Content Placeholder 2">
@@ -4394,7 +4399,7 @@
             </p:txBody>
           </p:sp>
         </mc:Choice>
-        <mc:Fallback>
+        <mc:Fallback xmlns="">
           <p:sp>
             <p:nvSpPr>
               <p:cNvPr id="3" name="Content Placeholder 2">
@@ -4806,6 +4811,16 @@
               <a:t>andrew.tan@u.nus.edu</a:t>
             </a:r>
             <a:endParaRPr lang="en-MY" sz="3200" dirty="0"/>
+          </a:p>
+          <a:p>
+            <a:pPr>
+              <a:buFont typeface="Arial" panose="020B0604020202020204" pitchFamily="34" charset="0"/>
+              <a:buChar char="•"/>
+            </a:pPr>
+            <a:r>
+              <a:rPr lang="en-MY" sz="3200" dirty="0"/>
+              <a:t> Consultation hours: send me an email and we can schedule something!</a:t>
+            </a:r>
           </a:p>
         </p:txBody>
       </p:sp>

--- a/Tutorial 1/Tutorial 1 - Introduction.pptx
+++ b/Tutorial 1/Tutorial 1 - Introduction.pptx
@@ -4145,8 +4145,8 @@
           </a:p>
         </p:txBody>
       </p:sp>
-      <mc:AlternateContent xmlns:mc="http://schemas.openxmlformats.org/markup-compatibility/2006" xmlns:a14="http://schemas.microsoft.com/office/drawing/2010/main">
-        <mc:Choice Requires="a14">
+      <mc:AlternateContent xmlns:mc="http://schemas.openxmlformats.org/markup-compatibility/2006">
+        <mc:Choice xmlns:a14="http://schemas.microsoft.com/office/drawing/2010/main" Requires="a14">
           <p:sp>
             <p:nvSpPr>
               <p:cNvPr id="3" name="Content Placeholder 2">
@@ -4272,7 +4272,7 @@
                       <a:rPr lang="en-MY" sz="3200" b="0" i="1" smtClean="0">
                         <a:latin typeface="Cambria Math" panose="02040503050406030204" pitchFamily="18" charset="0"/>
                       </a:rPr>
-                      <m:t> </m:t>
+                      <m:t>∼</m:t>
                     </m:r>
                     <m:r>
                       <a:rPr lang="en-MY" sz="3200" b="0" i="1" smtClean="0">
@@ -4399,7 +4399,7 @@
             </p:txBody>
           </p:sp>
         </mc:Choice>
-        <mc:Fallback xmlns="">
+        <mc:Fallback>
           <p:sp>
             <p:nvSpPr>
               <p:cNvPr id="3" name="Content Placeholder 2">

--- a/Tutorial 1/Tutorial 1 - Introduction.pptx
+++ b/Tutorial 1/Tutorial 1 - Introduction.pptx
@@ -350,7 +350,7 @@
           <a:p>
             <a:fld id="{AD612655-D09B-4CD4-83C7-7C3425E7B313}" type="datetimeFigureOut">
               <a:rPr lang="en-MY" smtClean="0"/>
-              <a:t>27/8/2018</a:t>
+              <a:t>3/9/2018</a:t>
             </a:fld>
             <a:endParaRPr lang="en-MY"/>
           </a:p>
@@ -558,7 +558,7 @@
           <a:p>
             <a:fld id="{AD612655-D09B-4CD4-83C7-7C3425E7B313}" type="datetimeFigureOut">
               <a:rPr lang="en-MY" smtClean="0"/>
-              <a:t>27/8/2018</a:t>
+              <a:t>3/9/2018</a:t>
             </a:fld>
             <a:endParaRPr lang="en-MY"/>
           </a:p>
@@ -814,7 +814,7 @@
           <a:p>
             <a:fld id="{AD612655-D09B-4CD4-83C7-7C3425E7B313}" type="datetimeFigureOut">
               <a:rPr lang="en-MY" smtClean="0"/>
-              <a:t>27/8/2018</a:t>
+              <a:t>3/9/2018</a:t>
             </a:fld>
             <a:endParaRPr lang="en-MY"/>
           </a:p>
@@ -984,7 +984,7 @@
           <a:p>
             <a:fld id="{AD612655-D09B-4CD4-83C7-7C3425E7B313}" type="datetimeFigureOut">
               <a:rPr lang="en-MY" smtClean="0"/>
-              <a:t>27/8/2018</a:t>
+              <a:t>3/9/2018</a:t>
             </a:fld>
             <a:endParaRPr lang="en-MY"/>
           </a:p>
@@ -1327,7 +1327,7 @@
           <a:p>
             <a:fld id="{AD612655-D09B-4CD4-83C7-7C3425E7B313}" type="datetimeFigureOut">
               <a:rPr lang="en-MY" smtClean="0"/>
-              <a:t>27/8/2018</a:t>
+              <a:t>3/9/2018</a:t>
             </a:fld>
             <a:endParaRPr lang="en-MY"/>
           </a:p>
@@ -1602,7 +1602,7 @@
           <a:p>
             <a:fld id="{AD612655-D09B-4CD4-83C7-7C3425E7B313}" type="datetimeFigureOut">
               <a:rPr lang="en-MY" smtClean="0"/>
-              <a:t>27/8/2018</a:t>
+              <a:t>3/9/2018</a:t>
             </a:fld>
             <a:endParaRPr lang="en-MY"/>
           </a:p>
@@ -1981,7 +1981,7 @@
           <a:p>
             <a:fld id="{AD612655-D09B-4CD4-83C7-7C3425E7B313}" type="datetimeFigureOut">
               <a:rPr lang="en-MY" smtClean="0"/>
-              <a:t>27/8/2018</a:t>
+              <a:t>3/9/2018</a:t>
             </a:fld>
             <a:endParaRPr lang="en-MY"/>
           </a:p>
@@ -2099,7 +2099,7 @@
           <a:p>
             <a:fld id="{AD612655-D09B-4CD4-83C7-7C3425E7B313}" type="datetimeFigureOut">
               <a:rPr lang="en-MY" smtClean="0"/>
-              <a:t>27/8/2018</a:t>
+              <a:t>3/9/2018</a:t>
             </a:fld>
             <a:endParaRPr lang="en-MY"/>
           </a:p>
@@ -2270,7 +2270,7 @@
           <a:p>
             <a:fld id="{AD612655-D09B-4CD4-83C7-7C3425E7B313}" type="datetimeFigureOut">
               <a:rPr lang="en-MY" smtClean="0"/>
-              <a:t>27/8/2018</a:t>
+              <a:t>3/9/2018</a:t>
             </a:fld>
             <a:endParaRPr lang="en-MY"/>
           </a:p>
@@ -2624,7 +2624,7 @@
           <a:p>
             <a:fld id="{AD612655-D09B-4CD4-83C7-7C3425E7B313}" type="datetimeFigureOut">
               <a:rPr lang="en-MY" smtClean="0"/>
-              <a:t>27/8/2018</a:t>
+              <a:t>3/9/2018</a:t>
             </a:fld>
             <a:endParaRPr lang="en-MY"/>
           </a:p>
@@ -3001,7 +3001,7 @@
           <a:p>
             <a:fld id="{AD612655-D09B-4CD4-83C7-7C3425E7B313}" type="datetimeFigureOut">
               <a:rPr lang="en-MY" smtClean="0"/>
-              <a:t>27/8/2018</a:t>
+              <a:t>3/9/2018</a:t>
             </a:fld>
             <a:endParaRPr lang="en-MY"/>
           </a:p>
@@ -3288,7 +3288,7 @@
           <a:p>
             <a:fld id="{AD612655-D09B-4CD4-83C7-7C3425E7B313}" type="datetimeFigureOut">
               <a:rPr lang="en-MY" smtClean="0"/>
-              <a:t>27/8/2018</a:t>
+              <a:t>3/9/2018</a:t>
             </a:fld>
             <a:endParaRPr lang="en-MY"/>
           </a:p>
@@ -3863,7 +3863,7 @@
           <a:p>
             <a:r>
               <a:rPr lang="en-MY" dirty="0"/>
-              <a:t>AY17/18 – week 3</a:t>
+              <a:t>AY18/19 – week 3</a:t>
             </a:r>
           </a:p>
         </p:txBody>
@@ -4145,8 +4145,8 @@
           </a:p>
         </p:txBody>
       </p:sp>
-      <mc:AlternateContent xmlns:mc="http://schemas.openxmlformats.org/markup-compatibility/2006">
-        <mc:Choice xmlns:a14="http://schemas.microsoft.com/office/drawing/2010/main" Requires="a14">
+      <mc:AlternateContent xmlns:mc="http://schemas.openxmlformats.org/markup-compatibility/2006" xmlns:a14="http://schemas.microsoft.com/office/drawing/2010/main">
+        <mc:Choice Requires="a14">
           <p:sp>
             <p:nvSpPr>
               <p:cNvPr id="3" name="Content Placeholder 2">
@@ -4399,7 +4399,7 @@
             </p:txBody>
           </p:sp>
         </mc:Choice>
-        <mc:Fallback>
+        <mc:Fallback xmlns="">
           <p:sp>
             <p:nvSpPr>
               <p:cNvPr id="3" name="Content Placeholder 2">

--- a/Tutorial 1/Tutorial 1 - Introduction.pptx
+++ b/Tutorial 1/Tutorial 1 - Introduction.pptx
@@ -3866,6 +3866,15 @@
               <a:t>AY18/19 – week 3</a:t>
             </a:r>
           </a:p>
+          <a:p>
+            <a:r>
+              <a:rPr lang="en-MY"/>
+              <a:t>Andrew Tan</a:t>
+            </a:r>
+          </a:p>
+          <a:p>
+            <a:endParaRPr lang="en-MY" dirty="0"/>
+          </a:p>
         </p:txBody>
       </p:sp>
     </p:spTree>
